--- a/2. Web Development and Database/Day 13/Slides/3. Collection Mapping and Logging in Hibernate/collection-mapping-and-logging-in-hibernate-slides.pptx
+++ b/2. Web Development and Database/Day 13/Slides/3. Collection Mapping and Logging in Hibernate/collection-mapping-and-logging-in-hibernate-slides.pptx
@@ -7,7 +7,7 @@
     <p:sldMasterId id="2147483666" r:id="rId4"/>
   </p:sldMasterIdLst>
   <p:notesMasterIdLst>
-    <p:notesMasterId r:id="rId12"/>
+    <p:notesMasterId r:id="rId15"/>
   </p:notesMasterIdLst>
   <p:sldIdLst>
     <p:sldId id="256" r:id="rId5"/>
@@ -17,6 +17,9 @@
     <p:sldId id="285" r:id="rId9"/>
     <p:sldId id="286" r:id="rId10"/>
     <p:sldId id="287" r:id="rId11"/>
+    <p:sldId id="290" r:id="rId12"/>
+    <p:sldId id="288" r:id="rId13"/>
+    <p:sldId id="289" r:id="rId14"/>
   </p:sldIdLst>
   <p:sldSz cx="18288000" cy="10287000"/>
   <p:notesSz cx="18288000" cy="10287000"/>
@@ -7158,6 +7161,173 @@
 </p:sld>
 </file>
 
+<file path=ppt/slides/slide10.xml><?xml version="1.0" encoding="utf-8"?>
+<p:sld xmlns:a="http://schemas.openxmlformats.org/drawingml/2006/main" xmlns:r="http://schemas.openxmlformats.org/officeDocument/2006/relationships" xmlns:p="http://schemas.openxmlformats.org/presentationml/2006/main">
+  <p:cSld>
+    <p:spTree>
+      <p:nvGrpSpPr>
+        <p:cNvPr id="1" name=""/>
+        <p:cNvGrpSpPr/>
+        <p:nvPr/>
+      </p:nvGrpSpPr>
+      <p:grpSpPr>
+        <a:xfrm>
+          <a:off x="0" y="0"/>
+          <a:ext cx="0" cy="0"/>
+          <a:chOff x="0" y="0"/>
+          <a:chExt cx="0" cy="0"/>
+        </a:xfrm>
+      </p:grpSpPr>
+      <p:pic>
+        <p:nvPicPr>
+          <p:cNvPr id="2" name="object 2"/>
+          <p:cNvPicPr/>
+          <p:nvPr/>
+        </p:nvPicPr>
+        <p:blipFill>
+          <a:blip r:embed="rId1" cstate="print"/>
+          <a:stretch>
+            <a:fillRect/>
+          </a:stretch>
+        </p:blipFill>
+        <p:spPr>
+          <a:xfrm>
+            <a:off x="0" y="0"/>
+            <a:ext cx="6953250" cy="10286999"/>
+          </a:xfrm>
+          <a:prstGeom prst="rect">
+            <a:avLst/>
+          </a:prstGeom>
+        </p:spPr>
+      </p:pic>
+      <p:sp>
+        <p:nvSpPr>
+          <p:cNvPr id="4" name="object 4"/>
+          <p:cNvSpPr txBox="1"/>
+          <p:nvPr/>
+        </p:nvSpPr>
+        <p:spPr>
+          <a:xfrm>
+            <a:off x="7772400" y="4686300"/>
+            <a:ext cx="10363200" cy="566420"/>
+          </a:xfrm>
+          <a:prstGeom prst="rect">
+            <a:avLst/>
+          </a:prstGeom>
+        </p:spPr>
+        <p:txBody>
+          <a:bodyPr vert="horz" wrap="square" lIns="0" tIns="12700" rIns="0" bIns="0" rtlCol="0">
+            <a:spAutoFit/>
+          </a:bodyPr>
+          <a:lstStyle/>
+          <a:p>
+            <a:pPr marL="12700" algn="l">
+              <a:lnSpc>
+                <a:spcPct val="100000"/>
+              </a:lnSpc>
+              <a:spcBef>
+                <a:spcPts val="100"/>
+              </a:spcBef>
+              <a:buClrTx/>
+              <a:buSzTx/>
+              <a:buFontTx/>
+            </a:pPr>
+            <a:r>
+              <a:rPr sz="3600" b="1" spc="-40" dirty="0">
+                <a:solidFill>
+                  <a:srgbClr val="2A9FBC"/>
+                </a:solidFill>
+                <a:latin typeface="Arial" panose="020B0604020202020204"/>
+                <a:cs typeface="Arial" panose="020B0604020202020204"/>
+                <a:sym typeface="+mn-ea"/>
+              </a:rPr>
+              <a:t>Hibernate logging by Log4j using properties file</a:t>
+            </a:r>
+            <a:endParaRPr sz="3600" b="1" spc="-40" dirty="0">
+              <a:solidFill>
+                <a:srgbClr val="2A9FBC"/>
+              </a:solidFill>
+              <a:latin typeface="Arial" panose="020B0604020202020204"/>
+              <a:cs typeface="Arial" panose="020B0604020202020204"/>
+              <a:sym typeface="+mn-ea"/>
+            </a:endParaRPr>
+          </a:p>
+        </p:txBody>
+      </p:sp>
+      <p:sp>
+        <p:nvSpPr>
+          <p:cNvPr id="5" name="Slide Number Placeholder 4"/>
+          <p:cNvSpPr>
+            <a:spLocks noGrp="1"/>
+          </p:cNvSpPr>
+          <p:nvPr>
+            <p:ph type="sldNum" sz="quarter" idx="7"/>
+          </p:nvPr>
+        </p:nvSpPr>
+        <p:spPr/>
+        <p:txBody>
+          <a:bodyPr/>
+          <a:p>
+            <a:fld id="{B6F15528-21DE-4FAA-801E-634DDDAF4B2B}" type="slidenum">
+              <a:rPr/>
+            </a:fld>
+            <a:endParaRPr/>
+          </a:p>
+        </p:txBody>
+      </p:sp>
+      <p:sp>
+        <p:nvSpPr>
+          <p:cNvPr id="6" name="object 3"/>
+          <p:cNvSpPr txBox="1"/>
+          <p:nvPr/>
+        </p:nvSpPr>
+        <p:spPr>
+          <a:xfrm>
+            <a:off x="713105" y="2861310"/>
+            <a:ext cx="6189345" cy="843280"/>
+          </a:xfrm>
+          <a:prstGeom prst="rect">
+            <a:avLst/>
+          </a:prstGeom>
+        </p:spPr>
+        <p:txBody>
+          <a:bodyPr vert="horz" wrap="square" lIns="0" tIns="12700" rIns="0" bIns="0" rtlCol="0">
+            <a:spAutoFit/>
+          </a:bodyPr>
+          <a:p>
+            <a:pPr marL="12700">
+              <a:lnSpc>
+                <a:spcPct val="100000"/>
+              </a:lnSpc>
+              <a:spcBef>
+                <a:spcPts val="100"/>
+              </a:spcBef>
+            </a:pPr>
+            <a:r>
+              <a:rPr lang="en-US" sz="5400" spc="-80" dirty="0">
+                <a:solidFill>
+                  <a:srgbClr val="FFFFFF"/>
+                </a:solidFill>
+                <a:latin typeface="Microsoft Sans Serif" panose="020B0604020202020204"/>
+                <a:cs typeface="Microsoft Sans Serif" panose="020B0604020202020204"/>
+              </a:rPr>
+              <a:t>Assisted Practice</a:t>
+            </a:r>
+            <a:endParaRPr lang="en-US" sz="5400">
+              <a:latin typeface="Microsoft Sans Serif" panose="020B0604020202020204"/>
+              <a:cs typeface="Microsoft Sans Serif" panose="020B0604020202020204"/>
+            </a:endParaRPr>
+          </a:p>
+        </p:txBody>
+      </p:sp>
+    </p:spTree>
+  </p:cSld>
+  <p:clrMapOvr>
+    <a:masterClrMapping/>
+  </p:clrMapOvr>
+</p:sld>
+</file>
+
 <file path=ppt/slides/slide2.xml><?xml version="1.0" encoding="utf-8"?>
 <p:sld xmlns:a="http://schemas.openxmlformats.org/drawingml/2006/main" xmlns:r="http://schemas.openxmlformats.org/officeDocument/2006/relationships" xmlns:p="http://schemas.openxmlformats.org/presentationml/2006/main">
   <p:cSld>
@@ -8322,6 +8492,296 @@
               <a:buFontTx/>
             </a:pPr>
             <a:endParaRPr lang="en-US" sz="3600" b="1" spc="-40" dirty="0">
+              <a:solidFill>
+                <a:srgbClr val="2A9FBC"/>
+              </a:solidFill>
+              <a:latin typeface="Arial" panose="020B0604020202020204"/>
+              <a:cs typeface="Arial" panose="020B0604020202020204"/>
+              <a:sym typeface="+mn-ea"/>
+            </a:endParaRPr>
+          </a:p>
+        </p:txBody>
+      </p:sp>
+      <p:sp>
+        <p:nvSpPr>
+          <p:cNvPr id="5" name="Slide Number Placeholder 4"/>
+          <p:cNvSpPr>
+            <a:spLocks noGrp="1"/>
+          </p:cNvSpPr>
+          <p:nvPr>
+            <p:ph type="sldNum" sz="quarter" idx="7"/>
+          </p:nvPr>
+        </p:nvSpPr>
+        <p:spPr/>
+        <p:txBody>
+          <a:bodyPr/>
+          <a:p>
+            <a:fld id="{B6F15528-21DE-4FAA-801E-634DDDAF4B2B}" type="slidenum">
+              <a:rPr/>
+            </a:fld>
+            <a:endParaRPr/>
+          </a:p>
+        </p:txBody>
+      </p:sp>
+      <p:sp>
+        <p:nvSpPr>
+          <p:cNvPr id="6" name="object 3"/>
+          <p:cNvSpPr txBox="1"/>
+          <p:nvPr/>
+        </p:nvSpPr>
+        <p:spPr>
+          <a:xfrm>
+            <a:off x="713105" y="2861310"/>
+            <a:ext cx="6189345" cy="843280"/>
+          </a:xfrm>
+          <a:prstGeom prst="rect">
+            <a:avLst/>
+          </a:prstGeom>
+        </p:spPr>
+        <p:txBody>
+          <a:bodyPr vert="horz" wrap="square" lIns="0" tIns="12700" rIns="0" bIns="0" rtlCol="0">
+            <a:spAutoFit/>
+          </a:bodyPr>
+          <a:p>
+            <a:pPr marL="12700">
+              <a:lnSpc>
+                <a:spcPct val="100000"/>
+              </a:lnSpc>
+              <a:spcBef>
+                <a:spcPts val="100"/>
+              </a:spcBef>
+            </a:pPr>
+            <a:r>
+              <a:rPr lang="en-US" sz="5400" spc="-80" dirty="0">
+                <a:solidFill>
+                  <a:srgbClr val="FFFFFF"/>
+                </a:solidFill>
+                <a:latin typeface="Microsoft Sans Serif" panose="020B0604020202020204"/>
+                <a:cs typeface="Microsoft Sans Serif" panose="020B0604020202020204"/>
+              </a:rPr>
+              <a:t>Assisted Practice</a:t>
+            </a:r>
+            <a:endParaRPr lang="en-US" sz="5400">
+              <a:latin typeface="Microsoft Sans Serif" panose="020B0604020202020204"/>
+              <a:cs typeface="Microsoft Sans Serif" panose="020B0604020202020204"/>
+            </a:endParaRPr>
+          </a:p>
+        </p:txBody>
+      </p:sp>
+    </p:spTree>
+  </p:cSld>
+  <p:clrMapOvr>
+    <a:masterClrMapping/>
+  </p:clrMapOvr>
+</p:sld>
+</file>
+
+<file path=ppt/slides/slide8.xml><?xml version="1.0" encoding="utf-8"?>
+<p:sld xmlns:a="http://schemas.openxmlformats.org/drawingml/2006/main" xmlns:r="http://schemas.openxmlformats.org/officeDocument/2006/relationships" xmlns:p="http://schemas.openxmlformats.org/presentationml/2006/main">
+  <p:cSld>
+    <p:spTree>
+      <p:nvGrpSpPr>
+        <p:cNvPr id="1" name=""/>
+        <p:cNvGrpSpPr/>
+        <p:nvPr/>
+      </p:nvGrpSpPr>
+      <p:grpSpPr/>
+      <p:sp>
+        <p:nvSpPr>
+          <p:cNvPr id="6146" name="Title 6145"/>
+          <p:cNvSpPr>
+            <a:spLocks noGrp="1"/>
+          </p:cNvSpPr>
+          <p:nvPr>
+            <p:ph type="title"/>
+          </p:nvPr>
+        </p:nvSpPr>
+        <p:spPr/>
+        <p:txBody>
+          <a:bodyPr anchor="b" anchorCtr="0"/>
+          <a:p>
+            <a:r>
+              <a:t>Hibernate </a:t>
+            </a:r>
+            <a:r>
+              <a:rPr lang="en-US"/>
+              <a:t>Logging</a:t>
+            </a:r>
+            <a:endParaRPr lang="en-US"/>
+          </a:p>
+        </p:txBody>
+      </p:sp>
+      <p:sp>
+        <p:nvSpPr>
+          <p:cNvPr id="2" name="Slide Number Placeholder 1"/>
+          <p:cNvSpPr>
+            <a:spLocks noGrp="1"/>
+          </p:cNvSpPr>
+          <p:nvPr>
+            <p:ph type="sldNum" sz="quarter" idx="12"/>
+          </p:nvPr>
+        </p:nvSpPr>
+        <p:spPr/>
+        <p:txBody>
+          <a:bodyPr/>
+          <a:p>
+            <a:pPr lvl="0"/>
+            <a:fld id="{9A0DB2DC-4C9A-4742-B13C-FB6460FD3503}" type="slidenum">
+              <a:rPr lang="en-US">
+                <a:ea typeface="+mn-ea"/>
+                <a:cs typeface="Arial" panose="020B0604020202020204" pitchFamily="34" charset="0"/>
+              </a:rPr>
+            </a:fld>
+            <a:endParaRPr lang="en-US">
+              <a:latin typeface="Times New Roman" panose="02020603050405020304" pitchFamily="18" charset="0"/>
+              <a:ea typeface="+mn-ea"/>
+              <a:cs typeface="Arial" panose="020B0604020202020204" pitchFamily="34" charset="0"/>
+            </a:endParaRPr>
+          </a:p>
+        </p:txBody>
+      </p:sp>
+      <p:graphicFrame>
+        <p:nvGraphicFramePr>
+          <p:cNvPr id="5" name="Content Placeholder 4"/>
+          <p:cNvGraphicFramePr/>
+          <p:nvPr>
+            <p:ph idx="1"/>
+          </p:nvPr>
+        </p:nvGraphicFramePr>
+        <p:xfrm>
+          <a:off x="2896235" y="1943100"/>
+          <a:ext cx="12851130" cy="7482205"/>
+        </p:xfrm>
+        <a:graphic>
+          <a:graphicData uri="http://schemas.openxmlformats.org/presentationml/2006/ole">
+            <mc:AlternateContent xmlns:mc="http://schemas.openxmlformats.org/markup-compatibility/2006">
+              <mc:Choice xmlns:v="urn:schemas-microsoft-com:vml" Requires="v">
+                <p:oleObj spid="_x0000_s6" name="" r:id="rId1" imgW="7448550" imgH="3533775" progId="Paint.Picture">
+                  <p:embed/>
+                </p:oleObj>
+              </mc:Choice>
+              <mc:Fallback>
+                <p:oleObj name="" r:id="rId1" imgW="7448550" imgH="3533775" progId="Paint.Picture">
+                  <p:embed/>
+                  <p:pic>
+                    <p:nvPicPr>
+                      <p:cNvPr id="0" name="Picture 5"/>
+                      <p:cNvPicPr/>
+                      <p:nvPr/>
+                    </p:nvPicPr>
+                    <p:blipFill>
+                      <a:blip r:embed="rId2"/>
+                      <a:stretch>
+                        <a:fillRect/>
+                      </a:stretch>
+                    </p:blipFill>
+                    <p:spPr>
+                      <a:xfrm>
+                        <a:off x="2896235" y="1943100"/>
+                        <a:ext cx="12851130" cy="7482205"/>
+                      </a:xfrm>
+                      <a:prstGeom prst="rect">
+                        <a:avLst/>
+                      </a:prstGeom>
+                    </p:spPr>
+                  </p:pic>
+                </p:oleObj>
+              </mc:Fallback>
+            </mc:AlternateContent>
+          </a:graphicData>
+        </a:graphic>
+      </p:graphicFrame>
+    </p:spTree>
+  </p:cSld>
+  <p:clrMapOvr>
+    <a:masterClrMapping/>
+  </p:clrMapOvr>
+</p:sld>
+</file>
+
+<file path=ppt/slides/slide9.xml><?xml version="1.0" encoding="utf-8"?>
+<p:sld xmlns:a="http://schemas.openxmlformats.org/drawingml/2006/main" xmlns:r="http://schemas.openxmlformats.org/officeDocument/2006/relationships" xmlns:p="http://schemas.openxmlformats.org/presentationml/2006/main">
+  <p:cSld>
+    <p:spTree>
+      <p:nvGrpSpPr>
+        <p:cNvPr id="1" name=""/>
+        <p:cNvGrpSpPr/>
+        <p:nvPr/>
+      </p:nvGrpSpPr>
+      <p:grpSpPr>
+        <a:xfrm>
+          <a:off x="0" y="0"/>
+          <a:ext cx="0" cy="0"/>
+          <a:chOff x="0" y="0"/>
+          <a:chExt cx="0" cy="0"/>
+        </a:xfrm>
+      </p:grpSpPr>
+      <p:pic>
+        <p:nvPicPr>
+          <p:cNvPr id="2" name="object 2"/>
+          <p:cNvPicPr/>
+          <p:nvPr/>
+        </p:nvPicPr>
+        <p:blipFill>
+          <a:blip r:embed="rId1" cstate="print"/>
+          <a:stretch>
+            <a:fillRect/>
+          </a:stretch>
+        </p:blipFill>
+        <p:spPr>
+          <a:xfrm>
+            <a:off x="0" y="0"/>
+            <a:ext cx="6953250" cy="10286999"/>
+          </a:xfrm>
+          <a:prstGeom prst="rect">
+            <a:avLst/>
+          </a:prstGeom>
+        </p:spPr>
+      </p:pic>
+      <p:sp>
+        <p:nvSpPr>
+          <p:cNvPr id="4" name="object 4"/>
+          <p:cNvSpPr txBox="1"/>
+          <p:nvPr/>
+        </p:nvSpPr>
+        <p:spPr>
+          <a:xfrm>
+            <a:off x="7924800" y="4686300"/>
+            <a:ext cx="9361805" cy="566420"/>
+          </a:xfrm>
+          <a:prstGeom prst="rect">
+            <a:avLst/>
+          </a:prstGeom>
+        </p:spPr>
+        <p:txBody>
+          <a:bodyPr vert="horz" wrap="square" lIns="0" tIns="12700" rIns="0" bIns="0" rtlCol="0">
+            <a:spAutoFit/>
+          </a:bodyPr>
+          <a:lstStyle/>
+          <a:p>
+            <a:pPr marL="12700" algn="l">
+              <a:lnSpc>
+                <a:spcPct val="100000"/>
+              </a:lnSpc>
+              <a:spcBef>
+                <a:spcPts val="100"/>
+              </a:spcBef>
+              <a:buClrTx/>
+              <a:buSzTx/>
+              <a:buFontTx/>
+            </a:pPr>
+            <a:r>
+              <a:rPr sz="3600" b="1" spc="-40" dirty="0">
+                <a:solidFill>
+                  <a:srgbClr val="2A9FBC"/>
+                </a:solidFill>
+                <a:latin typeface="Arial" panose="020B0604020202020204"/>
+                <a:cs typeface="Arial" panose="020B0604020202020204"/>
+                <a:sym typeface="+mn-ea"/>
+              </a:rPr>
+              <a:t> Hibernate logging by Log4j using xml file</a:t>
+            </a:r>
+            <a:endParaRPr sz="3600" b="1" spc="-40" dirty="0">
               <a:solidFill>
                 <a:srgbClr val="2A9FBC"/>
               </a:solidFill>
